--- a/docs/motif_similarity_exploration/LacDiNAc_vs_Lactosamine_motif_LacDiNAc.pptx
+++ b/docs/motif_similarity_exploration/LacDiNAc_vs_Lactosamine_motif_LacDiNAc.pptx
@@ -106,7 +106,7 @@
   </p:defaultTextStyle>
   <p:extLst>
     <p:ext uri="{EFAFB233-063F-42B5-8137-9DF3F51BA10A}">
-      <p15:sldGuideLst xmlns:p15="http://schemas.microsoft.com/office/powerpoint/2012/main">
+      <p15:sldGuideLst xmlns="" xmlns:p15="http://schemas.microsoft.com/office/powerpoint/2012/main">
         <p15:guide id="1" orient="horz" pos="2880">
           <p15:clr>
             <a:srgbClr val="A4A3A4"/>
@@ -306,7 +306,7 @@
           <a:p>
             <a:fld id="{51FB45B9-A736-784F-884A-6BE3E4DF68E6}" type="datetimeFigureOut">
               <a:rPr lang="en-US" smtClean="0"/>
-              <a:t>8/31/2018</a:t>
+              <a:t>31/08/18</a:t>
             </a:fld>
             <a:endParaRPr lang="en-US"/>
           </a:p>
@@ -474,7 +474,7 @@
           <a:p>
             <a:fld id="{51FB45B9-A736-784F-884A-6BE3E4DF68E6}" type="datetimeFigureOut">
               <a:rPr lang="en-US" smtClean="0"/>
-              <a:t>8/31/2018</a:t>
+              <a:t>31/08/18</a:t>
             </a:fld>
             <a:endParaRPr lang="en-US"/>
           </a:p>
@@ -652,7 +652,7 @@
           <a:p>
             <a:fld id="{51FB45B9-A736-784F-884A-6BE3E4DF68E6}" type="datetimeFigureOut">
               <a:rPr lang="en-US" smtClean="0"/>
-              <a:t>8/31/2018</a:t>
+              <a:t>31/08/18</a:t>
             </a:fld>
             <a:endParaRPr lang="en-US"/>
           </a:p>
@@ -820,7 +820,7 @@
           <a:p>
             <a:fld id="{51FB45B9-A736-784F-884A-6BE3E4DF68E6}" type="datetimeFigureOut">
               <a:rPr lang="en-US" smtClean="0"/>
-              <a:t>8/31/2018</a:t>
+              <a:t>31/08/18</a:t>
             </a:fld>
             <a:endParaRPr lang="en-US"/>
           </a:p>
@@ -1065,7 +1065,7 @@
           <a:p>
             <a:fld id="{51FB45B9-A736-784F-884A-6BE3E4DF68E6}" type="datetimeFigureOut">
               <a:rPr lang="en-US" smtClean="0"/>
-              <a:t>8/31/2018</a:t>
+              <a:t>31/08/18</a:t>
             </a:fld>
             <a:endParaRPr lang="en-US"/>
           </a:p>
@@ -1350,7 +1350,7 @@
           <a:p>
             <a:fld id="{51FB45B9-A736-784F-884A-6BE3E4DF68E6}" type="datetimeFigureOut">
               <a:rPr lang="en-US" smtClean="0"/>
-              <a:t>8/31/2018</a:t>
+              <a:t>31/08/18</a:t>
             </a:fld>
             <a:endParaRPr lang="en-US"/>
           </a:p>
@@ -1774,7 +1774,7 @@
           <a:p>
             <a:fld id="{51FB45B9-A736-784F-884A-6BE3E4DF68E6}" type="datetimeFigureOut">
               <a:rPr lang="en-US" smtClean="0"/>
-              <a:t>8/31/2018</a:t>
+              <a:t>31/08/18</a:t>
             </a:fld>
             <a:endParaRPr lang="en-US"/>
           </a:p>
@@ -1891,7 +1891,7 @@
           <a:p>
             <a:fld id="{51FB45B9-A736-784F-884A-6BE3E4DF68E6}" type="datetimeFigureOut">
               <a:rPr lang="en-US" smtClean="0"/>
-              <a:t>8/31/2018</a:t>
+              <a:t>31/08/18</a:t>
             </a:fld>
             <a:endParaRPr lang="en-US"/>
           </a:p>
@@ -1986,7 +1986,7 @@
           <a:p>
             <a:fld id="{51FB45B9-A736-784F-884A-6BE3E4DF68E6}" type="datetimeFigureOut">
               <a:rPr lang="en-US" smtClean="0"/>
-              <a:t>8/31/2018</a:t>
+              <a:t>31/08/18</a:t>
             </a:fld>
             <a:endParaRPr lang="en-US"/>
           </a:p>
@@ -2261,7 +2261,7 @@
           <a:p>
             <a:fld id="{51FB45B9-A736-784F-884A-6BE3E4DF68E6}" type="datetimeFigureOut">
               <a:rPr lang="en-US" smtClean="0"/>
-              <a:t>8/31/2018</a:t>
+              <a:t>31/08/18</a:t>
             </a:fld>
             <a:endParaRPr lang="en-US"/>
           </a:p>
@@ -2513,7 +2513,7 @@
           <a:p>
             <a:fld id="{51FB45B9-A736-784F-884A-6BE3E4DF68E6}" type="datetimeFigureOut">
               <a:rPr lang="en-US" smtClean="0"/>
-              <a:t>8/31/2018</a:t>
+              <a:t>31/08/18</a:t>
             </a:fld>
             <a:endParaRPr lang="en-US"/>
           </a:p>
@@ -2724,7 +2724,7 @@
           <a:p>
             <a:fld id="{51FB45B9-A736-784F-884A-6BE3E4DF68E6}" type="datetimeFigureOut">
               <a:rPr lang="en-US" smtClean="0"/>
-              <a:t>8/31/2018</a:t>
+              <a:t>31/08/18</a:t>
             </a:fld>
             <a:endParaRPr lang="en-US"/>
           </a:p>
@@ -3101,6 +3101,36 @@
       </p:grpSpPr>
       <p:pic>
         <p:nvPicPr>
+          <p:cNvPr id="10" name="Picture 9" descr="LacDiNAc_vs_Lactosamine_motif_LacDiNAc.eps"/>
+          <p:cNvPicPr>
+            <a:picLocks noChangeAspect="1"/>
+          </p:cNvPicPr>
+          <p:nvPr/>
+        </p:nvPicPr>
+        <p:blipFill>
+          <a:blip r:embed="rId2">
+            <a:extLst>
+              <a:ext uri="{28A0092B-C50C-407E-A947-70E740481C1C}">
+                <a14:useLocalDpi xmlns:a14="http://schemas.microsoft.com/office/drawing/2010/main" val="0"/>
+              </a:ext>
+            </a:extLst>
+          </a:blip>
+          <a:stretch>
+            <a:fillRect/>
+          </a:stretch>
+        </p:blipFill>
+        <p:spPr>
+          <a:xfrm>
+            <a:off x="-1" y="2811377"/>
+            <a:ext cx="6587068" cy="4929584"/>
+          </a:xfrm>
+          <a:prstGeom prst="rect">
+            <a:avLst/>
+          </a:prstGeom>
+        </p:spPr>
+      </p:pic>
+      <p:pic>
+        <p:nvPicPr>
           <p:cNvPr id="5" name="Image12"/>
           <p:cNvPicPr/>
           <p:nvPr/>
@@ -3329,75 +3359,12 @@
           </a:p>
         </p:txBody>
       </p:sp>
-      <p:graphicFrame>
-        <p:nvGraphicFramePr>
-          <p:cNvPr id="9" name="Object 8">
-            <a:extLst>
-              <a:ext uri="{FF2B5EF4-FFF2-40B4-BE49-F238E27FC236}">
-                <a16:creationId xmlns:a16="http://schemas.microsoft.com/office/drawing/2014/main" id="{20B95741-BBC0-4A4C-AED8-89A2F89289BF}"/>
-              </a:ext>
-            </a:extLst>
-          </p:cNvPr>
-          <p:cNvGraphicFramePr>
-            <a:graphicFrameLocks noChangeAspect="1"/>
-          </p:cNvGraphicFramePr>
-          <p:nvPr>
-            <p:extLst>
-              <p:ext uri="{D42A27DB-BD31-4B8C-83A1-F6EECF244321}">
-                <p14:modId xmlns:p14="http://schemas.microsoft.com/office/powerpoint/2010/main" val="4111955415"/>
-              </p:ext>
-            </p:extLst>
-          </p:nvPr>
-        </p:nvGraphicFramePr>
-        <p:xfrm>
-          <a:off x="1" y="3133090"/>
-          <a:ext cx="6858000" cy="5147219"/>
-        </p:xfrm>
-        <a:graphic>
-          <a:graphicData uri="http://schemas.openxmlformats.org/presentationml/2006/ole">
-            <mc:AlternateContent xmlns:mc="http://schemas.openxmlformats.org/markup-compatibility/2006">
-              <mc:Choice xmlns:v="urn:schemas-microsoft-com:vml" Requires="v">
-                <p:oleObj spid="_x0000_s1027" name="Acrobat Document" r:id="rId5" imgW="4390916" imgH="3295437" progId="AcroExch.Document.DC">
-                  <p:embed/>
-                </p:oleObj>
-              </mc:Choice>
-              <mc:Fallback>
-                <p:oleObj name="Acrobat Document" r:id="rId5" imgW="4390916" imgH="3295437" progId="AcroExch.Document.DC">
-                  <p:embed/>
-                  <p:pic>
-                    <p:nvPicPr>
-                      <p:cNvPr id="0" name=""/>
-                      <p:cNvPicPr/>
-                      <p:nvPr/>
-                    </p:nvPicPr>
-                    <p:blipFill>
-                      <a:blip r:embed="rId6"/>
-                      <a:stretch>
-                        <a:fillRect/>
-                      </a:stretch>
-                    </p:blipFill>
-                    <p:spPr>
-                      <a:xfrm>
-                        <a:off x="1" y="3133090"/>
-                        <a:ext cx="6858000" cy="5147219"/>
-                      </a:xfrm>
-                      <a:prstGeom prst="rect">
-                        <a:avLst/>
-                      </a:prstGeom>
-                    </p:spPr>
-                  </p:pic>
-                </p:oleObj>
-              </mc:Fallback>
-            </mc:AlternateContent>
-          </a:graphicData>
-        </a:graphic>
-      </p:graphicFrame>
       <p:sp>
         <p:nvSpPr>
           <p:cNvPr id="14" name="Oval 13">
             <a:extLst>
               <a:ext uri="{FF2B5EF4-FFF2-40B4-BE49-F238E27FC236}">
-                <a16:creationId xmlns:a16="http://schemas.microsoft.com/office/drawing/2014/main" id="{7233B1DE-3C5A-4852-AB85-6E825D5CBB4F}"/>
+                <a16:creationId xmlns="" xmlns:a16="http://schemas.microsoft.com/office/drawing/2014/main" id="{7233B1DE-3C5A-4852-AB85-6E825D5CBB4F}"/>
               </a:ext>
             </a:extLst>
           </p:cNvPr>
@@ -3449,7 +3416,7 @@
           <p:cNvPr id="19" name="TextBox 18">
             <a:extLst>
               <a:ext uri="{FF2B5EF4-FFF2-40B4-BE49-F238E27FC236}">
-                <a16:creationId xmlns:a16="http://schemas.microsoft.com/office/drawing/2014/main" id="{958FF87F-EF9D-41BA-97C5-57AFDC5AA58C}"/>
+                <a16:creationId xmlns="" xmlns:a16="http://schemas.microsoft.com/office/drawing/2014/main" id="{958FF87F-EF9D-41BA-97C5-57AFDC5AA58C}"/>
               </a:ext>
             </a:extLst>
           </p:cNvPr>
@@ -3476,6 +3443,51 @@
               <a:rPr lang="en-US" sz="1400" dirty="0"/>
               <a:t>All other motif sets</a:t>
             </a:r>
+          </a:p>
+        </p:txBody>
+      </p:sp>
+      <p:sp>
+        <p:nvSpPr>
+          <p:cNvPr id="2" name="Rectangle 1"/>
+          <p:cNvSpPr/>
+          <p:nvPr/>
+        </p:nvSpPr>
+        <p:spPr>
+          <a:xfrm>
+            <a:off x="5664200" y="3319816"/>
+            <a:ext cx="313267" cy="329317"/>
+          </a:xfrm>
+          <a:prstGeom prst="rect">
+            <a:avLst/>
+          </a:prstGeom>
+          <a:solidFill>
+            <a:srgbClr val="FFFFFF"/>
+          </a:solidFill>
+          <a:ln>
+            <a:noFill/>
+          </a:ln>
+          <a:effectLst/>
+        </p:spPr>
+        <p:style>
+          <a:lnRef idx="1">
+            <a:schemeClr val="accent1"/>
+          </a:lnRef>
+          <a:fillRef idx="3">
+            <a:schemeClr val="accent1"/>
+          </a:fillRef>
+          <a:effectRef idx="2">
+            <a:schemeClr val="accent1"/>
+          </a:effectRef>
+          <a:fontRef idx="minor">
+            <a:schemeClr val="lt1"/>
+          </a:fontRef>
+        </p:style>
+        <p:txBody>
+          <a:bodyPr rtlCol="0" anchor="ctr"/>
+          <a:lstStyle/>
+          <a:p>
+            <a:pPr algn="ctr"/>
+            <a:endParaRPr lang="en-US"/>
           </a:p>
         </p:txBody>
       </p:sp>
